--- a/преза_2.pptx
+++ b/преза_2.pptx
@@ -5,10 +5,10 @@
     <p:sldMasterId id="2147483648" r:id="rId1"/>
   </p:sldMasterIdLst>
   <p:notesMasterIdLst>
-    <p:notesMasterId r:id="rId13"/>
+    <p:notesMasterId r:id="rId14"/>
   </p:notesMasterIdLst>
   <p:handoutMasterIdLst>
-    <p:handoutMasterId r:id="rId14"/>
+    <p:handoutMasterId r:id="rId15"/>
   </p:handoutMasterIdLst>
   <p:sldIdLst>
     <p:sldId id="261" r:id="rId2"/>
@@ -22,6 +22,7 @@
     <p:sldId id="273" r:id="rId10"/>
     <p:sldId id="274" r:id="rId11"/>
     <p:sldId id="275" r:id="rId12"/>
+    <p:sldId id="276" r:id="rId13"/>
   </p:sldIdLst>
   <p:sldSz cx="12192000" cy="6858000"/>
   <p:notesSz cx="6858000" cy="9144000"/>
@@ -914,6 +915,91 @@
     <p:extLst>
       <p:ext uri="{BB962C8B-B14F-4D97-AF65-F5344CB8AC3E}">
         <p14:creationId xmlns:p14="http://schemas.microsoft.com/office/powerpoint/2010/main" val="3548545657"/>
+      </p:ext>
+    </p:extLst>
+  </p:cSld>
+  <p:clrMapOvr>
+    <a:masterClrMapping/>
+  </p:clrMapOvr>
+</p:notes>
+</file>
+
+<file path=ppt/notesSlides/notesSlide12.xml><?xml version="1.0" encoding="utf-8"?>
+<p:notes xmlns:a="http://schemas.openxmlformats.org/drawingml/2006/main" xmlns:r="http://schemas.openxmlformats.org/officeDocument/2006/relationships" xmlns:p="http://schemas.openxmlformats.org/presentationml/2006/main">
+  <p:cSld>
+    <p:spTree>
+      <p:nvGrpSpPr>
+        <p:cNvPr id="1" name=""/>
+        <p:cNvGrpSpPr/>
+        <p:nvPr/>
+      </p:nvGrpSpPr>
+      <p:grpSpPr>
+        <a:xfrm>
+          <a:off x="0" y="0"/>
+          <a:ext cx="0" cy="0"/>
+          <a:chOff x="0" y="0"/>
+          <a:chExt cx="0" cy="0"/>
+        </a:xfrm>
+      </p:grpSpPr>
+      <p:sp>
+        <p:nvSpPr>
+          <p:cNvPr id="2" name="Образ слайда 1"/>
+          <p:cNvSpPr>
+            <a:spLocks noGrp="1" noRot="1" noChangeAspect="1"/>
+          </p:cNvSpPr>
+          <p:nvPr>
+            <p:ph type="sldImg"/>
+          </p:nvPr>
+        </p:nvSpPr>
+        <p:spPr/>
+      </p:sp>
+      <p:sp>
+        <p:nvSpPr>
+          <p:cNvPr id="3" name="Заметки 2"/>
+          <p:cNvSpPr>
+            <a:spLocks noGrp="1"/>
+          </p:cNvSpPr>
+          <p:nvPr>
+            <p:ph type="body" idx="1"/>
+          </p:nvPr>
+        </p:nvSpPr>
+        <p:spPr/>
+        <p:txBody>
+          <a:bodyPr/>
+          <a:lstStyle/>
+          <a:p>
+            <a:endParaRPr lang="ru-RU" dirty="0"/>
+          </a:p>
+        </p:txBody>
+      </p:sp>
+      <p:sp>
+        <p:nvSpPr>
+          <p:cNvPr id="4" name="Номер слайда 3"/>
+          <p:cNvSpPr>
+            <a:spLocks noGrp="1"/>
+          </p:cNvSpPr>
+          <p:nvPr>
+            <p:ph type="sldNum" sz="quarter" idx="10"/>
+          </p:nvPr>
+        </p:nvSpPr>
+        <p:spPr/>
+        <p:txBody>
+          <a:bodyPr/>
+          <a:lstStyle/>
+          <a:p>
+            <a:pPr rtl="0"/>
+            <a:fld id="{82869989-EB00-4EE7-BCB5-25BDC5BB29F8}" type="slidenum">
+              <a:rPr lang="ru-RU" smtClean="0"/>
+              <a:t>12</a:t>
+            </a:fld>
+            <a:endParaRPr lang="ru-RU" dirty="0"/>
+          </a:p>
+        </p:txBody>
+      </p:sp>
+    </p:spTree>
+    <p:extLst>
+      <p:ext uri="{BB962C8B-B14F-4D97-AF65-F5344CB8AC3E}">
+        <p14:creationId xmlns:p14="http://schemas.microsoft.com/office/powerpoint/2010/main" val="3959862147"/>
       </p:ext>
     </p:extLst>
   </p:cSld>
@@ -17254,6 +17340,236 @@
     <p:extLst>
       <p:ext uri="{BB962C8B-B14F-4D97-AF65-F5344CB8AC3E}">
         <p14:creationId xmlns:p14="http://schemas.microsoft.com/office/powerpoint/2010/main" val="1799409565"/>
+      </p:ext>
+    </p:extLst>
+  </p:cSld>
+  <p:clrMapOvr>
+    <a:masterClrMapping/>
+  </p:clrMapOvr>
+  <mc:AlternateContent xmlns:mc="http://schemas.openxmlformats.org/markup-compatibility/2006" xmlns:p14="http://schemas.microsoft.com/office/powerpoint/2010/main">
+    <mc:Choice Requires="p14">
+      <p:transition spd="med" p14:dur="700">
+        <p:fade/>
+      </p:transition>
+    </mc:Choice>
+    <mc:Fallback xmlns="">
+      <p:transition spd="med">
+        <p:fade/>
+      </p:transition>
+    </mc:Fallback>
+  </mc:AlternateContent>
+</p:sld>
+</file>
+
+<file path=ppt/slides/slide12.xml><?xml version="1.0" encoding="utf-8"?>
+<p:sld xmlns:a="http://schemas.openxmlformats.org/drawingml/2006/main" xmlns:r="http://schemas.openxmlformats.org/officeDocument/2006/relationships" xmlns:p="http://schemas.openxmlformats.org/presentationml/2006/main">
+  <p:cSld>
+    <p:spTree>
+      <p:nvGrpSpPr>
+        <p:cNvPr id="1" name=""/>
+        <p:cNvGrpSpPr/>
+        <p:nvPr/>
+      </p:nvGrpSpPr>
+      <p:grpSpPr>
+        <a:xfrm>
+          <a:off x="0" y="0"/>
+          <a:ext cx="0" cy="0"/>
+          <a:chOff x="0" y="0"/>
+          <a:chExt cx="0" cy="0"/>
+        </a:xfrm>
+      </p:grpSpPr>
+      <p:sp>
+        <p:nvSpPr>
+          <p:cNvPr id="2" name="Заголовок 1"/>
+          <p:cNvSpPr>
+            <a:spLocks noGrp="1"/>
+          </p:cNvSpPr>
+          <p:nvPr>
+            <p:ph type="title"/>
+          </p:nvPr>
+        </p:nvSpPr>
+        <p:spPr/>
+        <p:txBody>
+          <a:bodyPr rtlCol="0"/>
+          <a:lstStyle/>
+          <a:p>
+            <a:r>
+              <a:rPr lang="ru-RU" dirty="0" smtClean="0"/>
+              <a:t>Вывод</a:t>
+            </a:r>
+            <a:endParaRPr lang="ru-RU" dirty="0"/>
+          </a:p>
+        </p:txBody>
+      </p:sp>
+      <p:sp>
+        <p:nvSpPr>
+          <p:cNvPr id="3" name="Номер слайда 2"/>
+          <p:cNvSpPr>
+            <a:spLocks noGrp="1"/>
+          </p:cNvSpPr>
+          <p:nvPr>
+            <p:ph type="sldNum" sz="quarter" idx="12"/>
+          </p:nvPr>
+        </p:nvSpPr>
+        <p:spPr/>
+        <p:txBody>
+          <a:bodyPr/>
+          <a:lstStyle/>
+          <a:p>
+            <a:pPr rtl="0"/>
+            <a:fld id="{E31375A4-56A4-47D6-9801-1991572033F7}" type="slidenum">
+              <a:rPr lang="ru-RU" smtClean="0"/>
+              <a:t>12</a:t>
+            </a:fld>
+            <a:r>
+              <a:rPr lang="ru-RU" dirty="0" smtClean="0"/>
+              <a:t> из 16</a:t>
+            </a:r>
+            <a:endParaRPr lang="ru-RU" dirty="0"/>
+          </a:p>
+        </p:txBody>
+      </p:sp>
+      <p:sp>
+        <p:nvSpPr>
+          <p:cNvPr id="4" name="Прямоугольник 3"/>
+          <p:cNvSpPr/>
+          <p:nvPr/>
+        </p:nvSpPr>
+        <p:spPr>
+          <a:xfrm>
+            <a:off x="835959" y="1646238"/>
+            <a:ext cx="10288793" cy="3520772"/>
+          </a:xfrm>
+          <a:prstGeom prst="rect">
+            <a:avLst/>
+          </a:prstGeom>
+        </p:spPr>
+        <p:txBody>
+          <a:bodyPr wrap="square">
+            <a:spAutoFit/>
+          </a:bodyPr>
+          <a:lstStyle/>
+          <a:p>
+            <a:pPr marL="742950" lvl="1" indent="-285750">
+              <a:lnSpc>
+                <a:spcPct val="125000"/>
+              </a:lnSpc>
+              <a:buFont typeface="Arial" panose="020B0604020202020204" pitchFamily="34" charset="0"/>
+              <a:buChar char="•"/>
+            </a:pPr>
+            <a:r>
+              <a:rPr lang="ru-RU" dirty="0">
+                <a:latin typeface="Cambria Math" panose="02040503050406030204" pitchFamily="18" charset="0"/>
+                <a:ea typeface="Cambria Math" panose="02040503050406030204" pitchFamily="18" charset="0"/>
+                <a:cs typeface="Times New Roman" panose="02020603050405020304" pitchFamily="18" charset="0"/>
+              </a:rPr>
+              <a:t>В рамках работы был проведен анализ эффективности метода сжатия полутоновых изображений с использованием </a:t>
+            </a:r>
+            <a:r>
+              <a:rPr lang="ru-RU" dirty="0" err="1">
+                <a:latin typeface="Cambria Math" panose="02040503050406030204" pitchFamily="18" charset="0"/>
+                <a:ea typeface="Cambria Math" panose="02040503050406030204" pitchFamily="18" charset="0"/>
+                <a:cs typeface="Times New Roman" panose="02020603050405020304" pitchFamily="18" charset="0"/>
+              </a:rPr>
+              <a:t>вейвлет</a:t>
+            </a:r>
+            <a:r>
+              <a:rPr lang="ru-RU" dirty="0">
+                <a:latin typeface="Cambria Math" panose="02040503050406030204" pitchFamily="18" charset="0"/>
+                <a:ea typeface="Cambria Math" panose="02040503050406030204" pitchFamily="18" charset="0"/>
+                <a:cs typeface="Times New Roman" panose="02020603050405020304" pitchFamily="18" charset="0"/>
+              </a:rPr>
+              <a:t>-преобразований, а также показано, что их использование в арифметическом кодировании позволяют добиться эффективного сжатия изображения.</a:t>
+            </a:r>
+          </a:p>
+          <a:p>
+            <a:pPr marL="742950" lvl="1" indent="-285750">
+              <a:lnSpc>
+                <a:spcPct val="125000"/>
+              </a:lnSpc>
+              <a:buFont typeface="Arial" panose="020B0604020202020204" pitchFamily="34" charset="0"/>
+              <a:buChar char="•"/>
+            </a:pPr>
+            <a:r>
+              <a:rPr lang="ru-RU" dirty="0">
+                <a:latin typeface="Cambria Math" panose="02040503050406030204" pitchFamily="18" charset="0"/>
+                <a:ea typeface="Cambria Math" panose="02040503050406030204" pitchFamily="18" charset="0"/>
+                <a:cs typeface="Times New Roman" panose="02020603050405020304" pitchFamily="18" charset="0"/>
+              </a:rPr>
+              <a:t>Был проведен обзор существующего метода компрессии </a:t>
+            </a:r>
+            <a:r>
+              <a:rPr lang="en-US" dirty="0">
+                <a:latin typeface="Cambria Math" panose="02040503050406030204" pitchFamily="18" charset="0"/>
+                <a:ea typeface="Cambria Math" panose="02040503050406030204" pitchFamily="18" charset="0"/>
+                <a:cs typeface="Times New Roman" panose="02020603050405020304" pitchFamily="18" charset="0"/>
+              </a:rPr>
+              <a:t>JPEG</a:t>
+            </a:r>
+            <a:r>
+              <a:rPr lang="ru-RU" dirty="0">
+                <a:latin typeface="Cambria Math" panose="02040503050406030204" pitchFamily="18" charset="0"/>
+                <a:ea typeface="Cambria Math" panose="02040503050406030204" pitchFamily="18" charset="0"/>
+                <a:cs typeface="Times New Roman" panose="02020603050405020304" pitchFamily="18" charset="0"/>
+              </a:rPr>
+              <a:t> и анализ сравнения качества его работы с предлагаемым алгоритмом.</a:t>
+            </a:r>
+          </a:p>
+          <a:p>
+            <a:pPr marL="742950" lvl="1" indent="-285750">
+              <a:lnSpc>
+                <a:spcPct val="125000"/>
+              </a:lnSpc>
+              <a:buFont typeface="Arial" panose="020B0604020202020204" pitchFamily="34" charset="0"/>
+              <a:buChar char="•"/>
+            </a:pPr>
+            <a:r>
+              <a:rPr lang="ru-RU" dirty="0">
+                <a:latin typeface="Cambria Math" panose="02040503050406030204" pitchFamily="18" charset="0"/>
+                <a:ea typeface="Cambria Math" panose="02040503050406030204" pitchFamily="18" charset="0"/>
+                <a:cs typeface="Times New Roman" panose="02020603050405020304" pitchFamily="18" charset="0"/>
+              </a:rPr>
+              <a:t>Проанализированы результаты экспериментов, показывающие, что модификация метода арифметического кодирования </a:t>
+            </a:r>
+            <a:r>
+              <a:rPr lang="ru-RU" dirty="0" err="1">
+                <a:latin typeface="Cambria Math" panose="02040503050406030204" pitchFamily="18" charset="0"/>
+                <a:ea typeface="Cambria Math" panose="02040503050406030204" pitchFamily="18" charset="0"/>
+                <a:cs typeface="Times New Roman" panose="02020603050405020304" pitchFamily="18" charset="0"/>
+              </a:rPr>
+              <a:t>вейвлет</a:t>
+            </a:r>
+            <a:r>
+              <a:rPr lang="ru-RU" dirty="0">
+                <a:latin typeface="Cambria Math" panose="02040503050406030204" pitchFamily="18" charset="0"/>
+                <a:ea typeface="Cambria Math" panose="02040503050406030204" pitchFamily="18" charset="0"/>
+                <a:cs typeface="Times New Roman" panose="02020603050405020304" pitchFamily="18" charset="0"/>
+              </a:rPr>
+              <a:t>-спектра приводит к алгоритму, характеристики сжатия которого значительно превосходят характеристики сжатия алгоритма стандарта </a:t>
+            </a:r>
+            <a:r>
+              <a:rPr lang="en-US" dirty="0">
+                <a:latin typeface="Cambria Math" panose="02040503050406030204" pitchFamily="18" charset="0"/>
+                <a:ea typeface="Cambria Math" panose="02040503050406030204" pitchFamily="18" charset="0"/>
+                <a:cs typeface="Times New Roman" panose="02020603050405020304" pitchFamily="18" charset="0"/>
+              </a:rPr>
+              <a:t>JPEG</a:t>
+            </a:r>
+            <a:r>
+              <a:rPr lang="ru-RU" dirty="0">
+                <a:latin typeface="Cambria Math" panose="02040503050406030204" pitchFamily="18" charset="0"/>
+                <a:ea typeface="Cambria Math" panose="02040503050406030204" pitchFamily="18" charset="0"/>
+                <a:cs typeface="Times New Roman" panose="02020603050405020304" pitchFamily="18" charset="0"/>
+              </a:rPr>
+              <a:t>.</a:t>
+            </a:r>
+          </a:p>
+        </p:txBody>
+      </p:sp>
+    </p:spTree>
+    <p:extLst>
+      <p:ext uri="{BB962C8B-B14F-4D97-AF65-F5344CB8AC3E}">
+        <p14:creationId xmlns:p14="http://schemas.microsoft.com/office/powerpoint/2010/main" val="4189445374"/>
       </p:ext>
     </p:extLst>
   </p:cSld>

--- a/преза_2.pptx
+++ b/преза_2.pptx
@@ -5,10 +5,10 @@
     <p:sldMasterId id="2147483648" r:id="rId1"/>
   </p:sldMasterIdLst>
   <p:notesMasterIdLst>
-    <p:notesMasterId r:id="rId14"/>
+    <p:notesMasterId r:id="rId15"/>
   </p:notesMasterIdLst>
   <p:handoutMasterIdLst>
-    <p:handoutMasterId r:id="rId15"/>
+    <p:handoutMasterId r:id="rId16"/>
   </p:handoutMasterIdLst>
   <p:sldIdLst>
     <p:sldId id="261" r:id="rId2"/>
@@ -21,8 +21,9 @@
     <p:sldId id="267" r:id="rId9"/>
     <p:sldId id="273" r:id="rId10"/>
     <p:sldId id="274" r:id="rId11"/>
-    <p:sldId id="275" r:id="rId12"/>
-    <p:sldId id="276" r:id="rId13"/>
+    <p:sldId id="277" r:id="rId12"/>
+    <p:sldId id="275" r:id="rId13"/>
+    <p:sldId id="276" r:id="rId14"/>
   </p:sldIdLst>
   <p:sldSz cx="12192000" cy="6858000"/>
   <p:notesSz cx="6858000" cy="9144000"/>
@@ -227,7 +228,7 @@
             <a:pPr rtl="0"/>
             <a:fld id="{2BADECFF-C1E6-41B7-861F-BE2B26CDAB05}" type="datetime1">
               <a:rPr lang="ru-RU" smtClean="0"/>
-              <a:t>29.05.2022</a:t>
+              <a:t>01.06.2022</a:t>
             </a:fld>
             <a:endParaRPr lang="ru-RU" dirty="0"/>
           </a:p>
@@ -397,7 +398,7 @@
             <a:pPr rtl="0"/>
             <a:fld id="{6F848B8F-24F3-4766-A59C-71045DA4FEF0}" type="datetime1">
               <a:rPr lang="ru-RU" smtClean="0"/>
-              <a:t>29.05.2022</a:t>
+              <a:t>01.06.2022</a:t>
             </a:fld>
             <a:endParaRPr lang="ru-RU" dirty="0"/>
           </a:p>
@@ -914,7 +915,7 @@
     </p:spTree>
     <p:extLst>
       <p:ext uri="{BB962C8B-B14F-4D97-AF65-F5344CB8AC3E}">
-        <p14:creationId xmlns:p14="http://schemas.microsoft.com/office/powerpoint/2010/main" val="3548545657"/>
+        <p14:creationId xmlns:p14="http://schemas.microsoft.com/office/powerpoint/2010/main" val="556010883"/>
       </p:ext>
     </p:extLst>
   </p:cSld>
@@ -991,6 +992,91 @@
             <a:fld id="{82869989-EB00-4EE7-BCB5-25BDC5BB29F8}" type="slidenum">
               <a:rPr lang="ru-RU" smtClean="0"/>
               <a:t>12</a:t>
+            </a:fld>
+            <a:endParaRPr lang="ru-RU" dirty="0"/>
+          </a:p>
+        </p:txBody>
+      </p:sp>
+    </p:spTree>
+    <p:extLst>
+      <p:ext uri="{BB962C8B-B14F-4D97-AF65-F5344CB8AC3E}">
+        <p14:creationId xmlns:p14="http://schemas.microsoft.com/office/powerpoint/2010/main" val="3548545657"/>
+      </p:ext>
+    </p:extLst>
+  </p:cSld>
+  <p:clrMapOvr>
+    <a:masterClrMapping/>
+  </p:clrMapOvr>
+</p:notes>
+</file>
+
+<file path=ppt/notesSlides/notesSlide13.xml><?xml version="1.0" encoding="utf-8"?>
+<p:notes xmlns:a="http://schemas.openxmlformats.org/drawingml/2006/main" xmlns:r="http://schemas.openxmlformats.org/officeDocument/2006/relationships" xmlns:p="http://schemas.openxmlformats.org/presentationml/2006/main">
+  <p:cSld>
+    <p:spTree>
+      <p:nvGrpSpPr>
+        <p:cNvPr id="1" name=""/>
+        <p:cNvGrpSpPr/>
+        <p:nvPr/>
+      </p:nvGrpSpPr>
+      <p:grpSpPr>
+        <a:xfrm>
+          <a:off x="0" y="0"/>
+          <a:ext cx="0" cy="0"/>
+          <a:chOff x="0" y="0"/>
+          <a:chExt cx="0" cy="0"/>
+        </a:xfrm>
+      </p:grpSpPr>
+      <p:sp>
+        <p:nvSpPr>
+          <p:cNvPr id="2" name="Образ слайда 1"/>
+          <p:cNvSpPr>
+            <a:spLocks noGrp="1" noRot="1" noChangeAspect="1"/>
+          </p:cNvSpPr>
+          <p:nvPr>
+            <p:ph type="sldImg"/>
+          </p:nvPr>
+        </p:nvSpPr>
+        <p:spPr/>
+      </p:sp>
+      <p:sp>
+        <p:nvSpPr>
+          <p:cNvPr id="3" name="Заметки 2"/>
+          <p:cNvSpPr>
+            <a:spLocks noGrp="1"/>
+          </p:cNvSpPr>
+          <p:nvPr>
+            <p:ph type="body" idx="1"/>
+          </p:nvPr>
+        </p:nvSpPr>
+        <p:spPr/>
+        <p:txBody>
+          <a:bodyPr/>
+          <a:lstStyle/>
+          <a:p>
+            <a:endParaRPr lang="ru-RU" dirty="0"/>
+          </a:p>
+        </p:txBody>
+      </p:sp>
+      <p:sp>
+        <p:nvSpPr>
+          <p:cNvPr id="4" name="Номер слайда 3"/>
+          <p:cNvSpPr>
+            <a:spLocks noGrp="1"/>
+          </p:cNvSpPr>
+          <p:nvPr>
+            <p:ph type="sldNum" sz="quarter" idx="10"/>
+          </p:nvPr>
+        </p:nvSpPr>
+        <p:spPr/>
+        <p:txBody>
+          <a:bodyPr/>
+          <a:lstStyle/>
+          <a:p>
+            <a:pPr rtl="0"/>
+            <a:fld id="{82869989-EB00-4EE7-BCB5-25BDC5BB29F8}" type="slidenum">
+              <a:rPr lang="ru-RU" smtClean="0"/>
+              <a:t>13</a:t>
             </a:fld>
             <a:endParaRPr lang="ru-RU" dirty="0"/>
           </a:p>
@@ -16427,7 +16513,6 @@
               <a:rPr lang="ru-RU" dirty="0"/>
               <a:t>Оценка качества работы алгоритмов</a:t>
             </a:r>
-            <a:endParaRPr lang="ru-RU" dirty="0"/>
           </a:p>
         </p:txBody>
       </p:sp>
@@ -16459,8 +16544,8 @@
           </a:p>
         </p:txBody>
       </p:sp>
-      <mc:AlternateContent xmlns:mc="http://schemas.openxmlformats.org/markup-compatibility/2006">
-        <mc:Choice xmlns:a14="http://schemas.microsoft.com/office/drawing/2010/main" Requires="a14">
+      <mc:AlternateContent xmlns:mc="http://schemas.openxmlformats.org/markup-compatibility/2006" xmlns:a14="http://schemas.microsoft.com/office/drawing/2010/main">
+        <mc:Choice Requires="a14">
           <p:sp>
             <p:nvSpPr>
               <p:cNvPr id="4" name="Прямоугольник 3"/>
@@ -16511,31 +16596,7 @@
                     <a:ea typeface="Cambria Math" panose="02040503050406030204" pitchFamily="18" charset="0"/>
                     <a:cs typeface="Times New Roman" panose="02020603050405020304" pitchFamily="18" charset="0"/>
                   </a:rPr>
-                  <a:t> </a:t>
-                </a:r>
-                <a:r>
-                  <a:rPr lang="ru-RU" dirty="0">
-                    <a:latin typeface="Cambria Math" panose="02040503050406030204" pitchFamily="18" charset="0"/>
-                    <a:ea typeface="Cambria Math" panose="02040503050406030204" pitchFamily="18" charset="0"/>
-                    <a:cs typeface="Times New Roman" panose="02020603050405020304" pitchFamily="18" charset="0"/>
-                  </a:rPr>
-                  <a:t>(пиковое отношение </a:t>
-                </a:r>
-                <a:r>
-                  <a:rPr lang="ru-RU" dirty="0">
-                    <a:latin typeface="Cambria Math" panose="02040503050406030204" pitchFamily="18" charset="0"/>
-                    <a:ea typeface="Cambria Math" panose="02040503050406030204" pitchFamily="18" charset="0"/>
-                    <a:cs typeface="Times New Roman" panose="02020603050405020304" pitchFamily="18" charset="0"/>
-                  </a:rPr>
-                  <a:t>сигнал/шум</a:t>
-                </a:r>
-                <a:r>
-                  <a:rPr lang="ru-RU" dirty="0">
-                    <a:latin typeface="Cambria Math" panose="02040503050406030204" pitchFamily="18" charset="0"/>
-                    <a:ea typeface="Cambria Math" panose="02040503050406030204" pitchFamily="18" charset="0"/>
-                    <a:cs typeface="Times New Roman" panose="02020603050405020304" pitchFamily="18" charset="0"/>
-                  </a:rPr>
-                  <a:t>).</a:t>
+                  <a:t> (пиковое отношение сигнал/шум).</a:t>
                 </a:r>
               </a:p>
               <a:p>
@@ -16670,15 +16731,7 @@
                     <a:ea typeface="Cambria Math" panose="02040503050406030204" pitchFamily="18" charset="0"/>
                     <a:cs typeface="Times New Roman" panose="02020603050405020304" pitchFamily="18" charset="0"/>
                   </a:rPr>
-                  <a:t>где </a:t>
-                </a:r>
-                <a:r>
-                  <a:rPr lang="ru-RU" dirty="0">
-                    <a:latin typeface="Cambria Math" panose="02040503050406030204" pitchFamily="18" charset="0"/>
-                    <a:ea typeface="Cambria Math" panose="02040503050406030204" pitchFamily="18" charset="0"/>
-                    <a:cs typeface="Times New Roman" panose="02020603050405020304" pitchFamily="18" charset="0"/>
-                  </a:rPr>
-                  <a:t>ε</a:t>
+                  <a:t>где ε</a:t>
                 </a:r>
                 <a:r>
                   <a:rPr lang="en-US" baseline="30000" dirty="0">
@@ -17104,15 +17157,7 @@
                     <a:ea typeface="Cambria Math" panose="02040503050406030204" pitchFamily="18" charset="0"/>
                     <a:cs typeface="Times New Roman" panose="02020603050405020304" pitchFamily="18" charset="0"/>
                   </a:rPr>
-                  <a:t>измеряются в </a:t>
-                </a:r>
-                <a:r>
-                  <a:rPr lang="ru-RU" dirty="0">
-                    <a:latin typeface="Cambria Math" panose="02040503050406030204" pitchFamily="18" charset="0"/>
-                    <a:ea typeface="Cambria Math" panose="02040503050406030204" pitchFamily="18" charset="0"/>
-                    <a:cs typeface="Times New Roman" panose="02020603050405020304" pitchFamily="18" charset="0"/>
-                  </a:rPr>
-                  <a:t>дБ.</a:t>
+                  <a:t>измеряются в дБ.</a:t>
                 </a:r>
               </a:p>
               <a:p>
@@ -17178,34 +17223,13 @@
                     <a:ea typeface="Cambria Math" panose="02040503050406030204" pitchFamily="18" charset="0"/>
                     <a:cs typeface="Times New Roman" panose="02020603050405020304" pitchFamily="18" charset="0"/>
                   </a:rPr>
-                  <a:t>), </a:t>
+                  <a:t>), которая представляет собой количество бит, используемых для хранения одного пикселя.</a:t>
                 </a:r>
-                <a:r>
-                  <a:rPr lang="ru-RU" dirty="0">
-                    <a:latin typeface="Cambria Math" panose="02040503050406030204" pitchFamily="18" charset="0"/>
-                    <a:ea typeface="Cambria Math" panose="02040503050406030204" pitchFamily="18" charset="0"/>
-                    <a:cs typeface="Times New Roman" panose="02020603050405020304" pitchFamily="18" charset="0"/>
-                  </a:rPr>
-                  <a:t>которая представляет собой </a:t>
-                </a:r>
-                <a:r>
-                  <a:rPr lang="ru-RU" dirty="0">
-                    <a:latin typeface="Cambria Math" panose="02040503050406030204" pitchFamily="18" charset="0"/>
-                    <a:ea typeface="Cambria Math" panose="02040503050406030204" pitchFamily="18" charset="0"/>
-                    <a:cs typeface="Times New Roman" panose="02020603050405020304" pitchFamily="18" charset="0"/>
-                  </a:rPr>
-                  <a:t>количество бит, используемых для хранения одного пикселя.</a:t>
-                </a:r>
-                <a:endParaRPr lang="ru-RU" dirty="0">
-                  <a:latin typeface="Cambria Math" panose="02040503050406030204" pitchFamily="18" charset="0"/>
-                  <a:ea typeface="Cambria Math" panose="02040503050406030204" pitchFamily="18" charset="0"/>
-                  <a:cs typeface="Times New Roman" panose="02020603050405020304" pitchFamily="18" charset="0"/>
-                </a:endParaRPr>
               </a:p>
             </p:txBody>
           </p:sp>
         </mc:Choice>
-        <mc:Fallback>
+        <mc:Fallback xmlns="">
           <p:sp>
             <p:nvSpPr>
               <p:cNvPr id="4" name="Прямоугольник 3"/>
@@ -17336,6 +17360,170 @@
           </a:p>
         </p:txBody>
       </p:sp>
+      <p:pic>
+        <p:nvPicPr>
+          <p:cNvPr id="4" name="Рисунок 3"/>
+          <p:cNvPicPr>
+            <a:picLocks noChangeAspect="1"/>
+          </p:cNvPicPr>
+          <p:nvPr/>
+        </p:nvPicPr>
+        <p:blipFill>
+          <a:blip r:embed="rId3"/>
+          <a:stretch>
+            <a:fillRect/>
+          </a:stretch>
+        </p:blipFill>
+        <p:spPr>
+          <a:xfrm>
+            <a:off x="864092" y="1646238"/>
+            <a:ext cx="5231908" cy="4164042"/>
+          </a:xfrm>
+          <a:prstGeom prst="rect">
+            <a:avLst/>
+          </a:prstGeom>
+        </p:spPr>
+      </p:pic>
+      <p:pic>
+        <p:nvPicPr>
+          <p:cNvPr id="5" name="Рисунок 4"/>
+          <p:cNvPicPr>
+            <a:picLocks noChangeAspect="1"/>
+          </p:cNvPicPr>
+          <p:nvPr/>
+        </p:nvPicPr>
+        <p:blipFill>
+          <a:blip r:embed="rId4"/>
+          <a:stretch>
+            <a:fillRect/>
+          </a:stretch>
+        </p:blipFill>
+        <p:spPr>
+          <a:xfrm>
+            <a:off x="6468910" y="1646238"/>
+            <a:ext cx="5115283" cy="4164042"/>
+          </a:xfrm>
+          <a:prstGeom prst="rect">
+            <a:avLst/>
+          </a:prstGeom>
+        </p:spPr>
+      </p:pic>
+    </p:spTree>
+    <p:extLst>
+      <p:ext uri="{BB962C8B-B14F-4D97-AF65-F5344CB8AC3E}">
+        <p14:creationId xmlns:p14="http://schemas.microsoft.com/office/powerpoint/2010/main" val="2892510837"/>
+      </p:ext>
+    </p:extLst>
+  </p:cSld>
+  <p:clrMapOvr>
+    <a:masterClrMapping/>
+  </p:clrMapOvr>
+  <mc:AlternateContent xmlns:mc="http://schemas.openxmlformats.org/markup-compatibility/2006" xmlns:p14="http://schemas.microsoft.com/office/powerpoint/2010/main">
+    <mc:Choice Requires="p14">
+      <p:transition spd="med" p14:dur="700">
+        <p:fade/>
+      </p:transition>
+    </mc:Choice>
+    <mc:Fallback xmlns="">
+      <p:transition spd="med">
+        <p:fade/>
+      </p:transition>
+    </mc:Fallback>
+  </mc:AlternateContent>
+</p:sld>
+</file>
+
+<file path=ppt/slides/slide12.xml><?xml version="1.0" encoding="utf-8"?>
+<p:sld xmlns:a="http://schemas.openxmlformats.org/drawingml/2006/main" xmlns:r="http://schemas.openxmlformats.org/officeDocument/2006/relationships" xmlns:p="http://schemas.openxmlformats.org/presentationml/2006/main">
+  <p:cSld>
+    <p:spTree>
+      <p:nvGrpSpPr>
+        <p:cNvPr id="1" name=""/>
+        <p:cNvGrpSpPr/>
+        <p:nvPr/>
+      </p:nvGrpSpPr>
+      <p:grpSpPr>
+        <a:xfrm>
+          <a:off x="0" y="0"/>
+          <a:ext cx="0" cy="0"/>
+          <a:chOff x="0" y="0"/>
+          <a:chExt cx="0" cy="0"/>
+        </a:xfrm>
+      </p:grpSpPr>
+      <p:sp>
+        <p:nvSpPr>
+          <p:cNvPr id="2" name="Заголовок 1"/>
+          <p:cNvSpPr>
+            <a:spLocks noGrp="1"/>
+          </p:cNvSpPr>
+          <p:nvPr>
+            <p:ph type="title"/>
+          </p:nvPr>
+        </p:nvSpPr>
+        <p:spPr/>
+        <p:txBody>
+          <a:bodyPr rtlCol="0"/>
+          <a:lstStyle/>
+          <a:p>
+            <a:r>
+              <a:rPr lang="ru-RU" dirty="0"/>
+              <a:t>Результаты экспериментов</a:t>
+            </a:r>
+          </a:p>
+        </p:txBody>
+      </p:sp>
+      <p:sp>
+        <p:nvSpPr>
+          <p:cNvPr id="3" name="Номер слайда 2"/>
+          <p:cNvSpPr>
+            <a:spLocks noGrp="1"/>
+          </p:cNvSpPr>
+          <p:nvPr>
+            <p:ph type="sldNum" sz="quarter" idx="12"/>
+          </p:nvPr>
+        </p:nvSpPr>
+        <p:spPr/>
+        <p:txBody>
+          <a:bodyPr/>
+          <a:lstStyle/>
+          <a:p>
+            <a:pPr rtl="0"/>
+            <a:fld id="{E31375A4-56A4-47D6-9801-1991572033F7}" type="slidenum">
+              <a:rPr lang="ru-RU" smtClean="0"/>
+              <a:t>12</a:t>
+            </a:fld>
+            <a:r>
+              <a:rPr lang="ru-RU" dirty="0" smtClean="0"/>
+              <a:t> из 16</a:t>
+            </a:r>
+            <a:endParaRPr lang="ru-RU" dirty="0"/>
+          </a:p>
+        </p:txBody>
+      </p:sp>
+      <p:pic>
+        <p:nvPicPr>
+          <p:cNvPr id="4" name="Рисунок 3"/>
+          <p:cNvPicPr>
+            <a:picLocks noChangeAspect="1"/>
+          </p:cNvPicPr>
+          <p:nvPr/>
+        </p:nvPicPr>
+        <p:blipFill>
+          <a:blip r:embed="rId3"/>
+          <a:stretch>
+            <a:fillRect/>
+          </a:stretch>
+        </p:blipFill>
+        <p:spPr>
+          <a:xfrm>
+            <a:off x="3481323" y="1646238"/>
+            <a:ext cx="5229354" cy="4227438"/>
+          </a:xfrm>
+          <a:prstGeom prst="rect">
+            <a:avLst/>
+          </a:prstGeom>
+        </p:spPr>
+      </p:pic>
     </p:spTree>
     <p:extLst>
       <p:ext uri="{BB962C8B-B14F-4D97-AF65-F5344CB8AC3E}">
@@ -17361,7 +17549,7 @@
 </p:sld>
 </file>
 
-<file path=ppt/slides/slide12.xml><?xml version="1.0" encoding="utf-8"?>
+<file path=ppt/slides/slide13.xml><?xml version="1.0" encoding="utf-8"?>
 <p:sld xmlns:a="http://schemas.openxmlformats.org/drawingml/2006/main" xmlns:r="http://schemas.openxmlformats.org/officeDocument/2006/relationships" xmlns:p="http://schemas.openxmlformats.org/presentationml/2006/main">
   <p:cSld>
     <p:spTree>
@@ -17419,7 +17607,7 @@
             <a:pPr rtl="0"/>
             <a:fld id="{E31375A4-56A4-47D6-9801-1991572033F7}" type="slidenum">
               <a:rPr lang="ru-RU" smtClean="0"/>
-              <a:t>12</a:t>
+              <a:t>13</a:t>
             </a:fld>
             <a:r>
               <a:rPr lang="ru-RU" dirty="0" smtClean="0"/>
@@ -17696,11 +17884,7 @@
             </a:fld>
             <a:r>
               <a:rPr lang="ru-RU" dirty="0" smtClean="0"/>
-              <a:t> из </a:t>
-            </a:r>
-            <a:r>
-              <a:rPr lang="ru-RU" dirty="0" smtClean="0"/>
-              <a:t>16</a:t>
+              <a:t> из 16</a:t>
             </a:r>
             <a:endParaRPr lang="ru-RU" dirty="0"/>
           </a:p>
@@ -17903,11 +18087,7 @@
             </a:fld>
             <a:r>
               <a:rPr lang="ru-RU" dirty="0" smtClean="0"/>
-              <a:t> из </a:t>
-            </a:r>
-            <a:r>
-              <a:rPr lang="ru-RU" dirty="0" smtClean="0"/>
-              <a:t>16</a:t>
+              <a:t> из 16</a:t>
             </a:r>
             <a:endParaRPr lang="ru-RU" dirty="0"/>
           </a:p>
@@ -19335,8 +19515,8 @@
           </a:p>
         </p:txBody>
       </p:sp>
-      <mc:AlternateContent xmlns:mc="http://schemas.openxmlformats.org/markup-compatibility/2006">
-        <mc:Choice xmlns:a14="http://schemas.microsoft.com/office/drawing/2010/main" Requires="a14">
+      <mc:AlternateContent xmlns:mc="http://schemas.openxmlformats.org/markup-compatibility/2006" xmlns:a14="http://schemas.microsoft.com/office/drawing/2010/main">
+        <mc:Choice Requires="a14">
           <p:sp>
             <p:nvSpPr>
               <p:cNvPr id="6" name="Прямоугольник 5"/>
@@ -19927,7 +20107,7 @@
             </p:txBody>
           </p:sp>
         </mc:Choice>
-        <mc:Fallback>
+        <mc:Fallback xmlns="">
           <p:sp>
             <p:nvSpPr>
               <p:cNvPr id="6" name="Прямоугольник 5"/>
@@ -20136,11 +20316,7 @@
             </a:fld>
             <a:r>
               <a:rPr lang="ru-RU" dirty="0" smtClean="0"/>
-              <a:t> из </a:t>
-            </a:r>
-            <a:r>
-              <a:rPr lang="ru-RU" dirty="0" smtClean="0"/>
-              <a:t>16</a:t>
+              <a:t> из 16</a:t>
             </a:r>
             <a:endParaRPr lang="ru-RU" dirty="0"/>
           </a:p>
@@ -20300,8 +20476,8 @@
           </a:p>
         </p:txBody>
       </p:sp>
-      <mc:AlternateContent xmlns:mc="http://schemas.openxmlformats.org/markup-compatibility/2006">
-        <mc:Choice xmlns:a14="http://schemas.microsoft.com/office/drawing/2010/main" Requires="a14">
+      <mc:AlternateContent xmlns:mc="http://schemas.openxmlformats.org/markup-compatibility/2006" xmlns:a14="http://schemas.microsoft.com/office/drawing/2010/main">
+        <mc:Choice Requires="a14">
           <p:sp>
             <p:nvSpPr>
               <p:cNvPr id="4" name="Прямоугольник 3"/>
@@ -20878,7 +21054,7 @@
             </p:txBody>
           </p:sp>
         </mc:Choice>
-        <mc:Fallback>
+        <mc:Fallback xmlns="">
           <p:sp>
             <p:nvSpPr>
               <p:cNvPr id="4" name="Прямоугольник 3"/>
@@ -20917,8 +21093,8 @@
           </p:sp>
         </mc:Fallback>
       </mc:AlternateContent>
-      <mc:AlternateContent xmlns:mc="http://schemas.openxmlformats.org/markup-compatibility/2006">
-        <mc:Choice xmlns:a14="http://schemas.microsoft.com/office/drawing/2010/main" Requires="a14">
+      <mc:AlternateContent xmlns:mc="http://schemas.openxmlformats.org/markup-compatibility/2006" xmlns:a14="http://schemas.microsoft.com/office/drawing/2010/main">
+        <mc:Choice Requires="a14">
           <p:sp>
             <p:nvSpPr>
               <p:cNvPr id="6" name="Прямоугольник 5"/>
@@ -21318,21 +21494,7 @@
                     <a:latin typeface="Cambria Math" panose="02040503050406030204" pitchFamily="18" charset="0"/>
                     <a:ea typeface="Cambria Math" panose="02040503050406030204" pitchFamily="18" charset="0"/>
                   </a:rPr>
-                  <a:t>Задача </a:t>
-                </a:r>
-                <a:r>
-                  <a:rPr lang="ru-RU" dirty="0">
-                    <a:latin typeface="Cambria Math" panose="02040503050406030204" pitchFamily="18" charset="0"/>
-                    <a:ea typeface="Cambria Math" panose="02040503050406030204" pitchFamily="18" charset="0"/>
-                  </a:rPr>
-                  <a:t>квадратичной </a:t>
-                </a:r>
-                <a:r>
-                  <a:rPr lang="ru-RU" dirty="0">
-                    <a:latin typeface="Cambria Math" panose="02040503050406030204" pitchFamily="18" charset="0"/>
-                    <a:ea typeface="Cambria Math" panose="02040503050406030204" pitchFamily="18" charset="0"/>
-                  </a:rPr>
-                  <a:t>регрессии состоит в нахождении линейной функции, которая лучше всего приближает значение </a:t>
+                  <a:t>Задача квадратичной регрессии состоит в нахождении линейной функции, которая лучше всего приближает значение </a:t>
                 </a:r>
                 <a14:m>
                   <m:oMath xmlns:m="http://schemas.openxmlformats.org/officeDocument/2006/math">
@@ -21352,10 +21514,6 @@
                   </a:rPr>
                   <a:t> </a:t>
                 </a:r>
-                <a:endParaRPr lang="ru-RU" dirty="0">
-                  <a:latin typeface="Cambria Math" panose="02040503050406030204" pitchFamily="18" charset="0"/>
-                  <a:ea typeface="Cambria Math" panose="02040503050406030204" pitchFamily="18" charset="0"/>
-                </a:endParaRPr>
               </a:p>
               <a:p>
                 <a:pPr>
@@ -21926,7 +22084,7 @@
             </p:txBody>
           </p:sp>
         </mc:Choice>
-        <mc:Fallback>
+        <mc:Fallback xmlns="">
           <p:sp>
             <p:nvSpPr>
               <p:cNvPr id="6" name="Прямоугольник 5"/>

--- a/преза_2.pptx
+++ b/преза_2.pptx
@@ -228,7 +228,7 @@
             <a:pPr rtl="0"/>
             <a:fld id="{2BADECFF-C1E6-41B7-861F-BE2B26CDAB05}" type="datetime1">
               <a:rPr lang="ru-RU" smtClean="0"/>
-              <a:t>01.06.2022</a:t>
+              <a:t>11.06.2022</a:t>
             </a:fld>
             <a:endParaRPr lang="ru-RU" dirty="0"/>
           </a:p>
@@ -398,7 +398,7 @@
             <a:pPr rtl="0"/>
             <a:fld id="{6F848B8F-24F3-4766-A59C-71045DA4FEF0}" type="datetime1">
               <a:rPr lang="ru-RU" smtClean="0"/>
-              <a:t>01.06.2022</a:t>
+              <a:t>11.06.2022</a:t>
             </a:fld>
             <a:endParaRPr lang="ru-RU" dirty="0"/>
           </a:p>
@@ -463,38 +463,37 @@
           <a:p>
             <a:pPr lvl="0" rtl="0"/>
             <a:r>
-              <a:rPr lang="ru-RU" dirty="0" smtClean="0"/>
+              <a:rPr lang="ru-RU" dirty="0"/>
               <a:t>Щелкните, чтобы изменить стили текста образца слайда</a:t>
             </a:r>
           </a:p>
           <a:p>
             <a:pPr lvl="1" rtl="0"/>
             <a:r>
-              <a:rPr lang="ru-RU" dirty="0" smtClean="0"/>
+              <a:rPr lang="ru-RU" dirty="0"/>
               <a:t>Второй уровень</a:t>
             </a:r>
           </a:p>
           <a:p>
             <a:pPr lvl="2" rtl="0"/>
             <a:r>
-              <a:rPr lang="ru-RU" dirty="0" smtClean="0"/>
+              <a:rPr lang="ru-RU" dirty="0"/>
               <a:t>Третий уровень</a:t>
             </a:r>
           </a:p>
           <a:p>
             <a:pPr lvl="3" rtl="0"/>
             <a:r>
-              <a:rPr lang="ru-RU" dirty="0" smtClean="0"/>
+              <a:rPr lang="ru-RU" dirty="0"/>
               <a:t>Четвертый уровень</a:t>
             </a:r>
           </a:p>
           <a:p>
             <a:pPr lvl="4" rtl="0"/>
             <a:r>
-              <a:rPr lang="ru-RU" dirty="0" smtClean="0"/>
+              <a:rPr lang="ru-RU" dirty="0"/>
               <a:t>Пятый уровень</a:t>
             </a:r>
-            <a:endParaRPr lang="ru-RU" dirty="0"/>
           </a:p>
         </p:txBody>
       </p:sp>
@@ -3653,7 +3652,7 @@
           <a:p>
             <a:pPr rtl="0"/>
             <a:r>
-              <a:rPr lang="ru-RU" smtClean="0"/>
+              <a:rPr lang="ru-RU"/>
               <a:t>Образец заголовка</a:t>
             </a:r>
             <a:endParaRPr lang="ru-RU" dirty="0"/>
@@ -3730,7 +3729,7 @@
           <a:p>
             <a:pPr rtl="0"/>
             <a:r>
-              <a:rPr lang="ru-RU" smtClean="0"/>
+              <a:rPr lang="ru-RU"/>
               <a:t>Образец подзаголовка</a:t>
             </a:r>
             <a:endParaRPr lang="ru-RU" dirty="0"/>
@@ -3827,7 +3826,7 @@
           <a:p>
             <a:pPr rtl="0"/>
             <a:r>
-              <a:rPr lang="ru-RU" smtClean="0"/>
+              <a:rPr lang="ru-RU"/>
               <a:t>Образец заголовка</a:t>
             </a:r>
             <a:endParaRPr lang="ru-RU" dirty="0"/>
@@ -3851,35 +3850,35 @@
           <a:p>
             <a:pPr lvl="0" rtl="0"/>
             <a:r>
-              <a:rPr lang="ru-RU" smtClean="0"/>
+              <a:rPr lang="ru-RU"/>
               <a:t>Образец текста</a:t>
             </a:r>
           </a:p>
           <a:p>
             <a:pPr lvl="1" rtl="0"/>
             <a:r>
-              <a:rPr lang="ru-RU" smtClean="0"/>
+              <a:rPr lang="ru-RU"/>
               <a:t>Второй уровень</a:t>
             </a:r>
           </a:p>
           <a:p>
             <a:pPr lvl="2" rtl="0"/>
             <a:r>
-              <a:rPr lang="ru-RU" smtClean="0"/>
+              <a:rPr lang="ru-RU"/>
               <a:t>Третий уровень</a:t>
             </a:r>
           </a:p>
           <a:p>
             <a:pPr lvl="3" rtl="0"/>
             <a:r>
-              <a:rPr lang="ru-RU" smtClean="0"/>
+              <a:rPr lang="ru-RU"/>
               <a:t>Четвертый уровень</a:t>
             </a:r>
           </a:p>
           <a:p>
             <a:pPr lvl="4" rtl="0"/>
             <a:r>
-              <a:rPr lang="ru-RU" smtClean="0"/>
+              <a:rPr lang="ru-RU"/>
               <a:t>Пятый уровень</a:t>
             </a:r>
             <a:endParaRPr lang="ru-RU" dirty="0"/>
@@ -4014,7 +4013,7 @@
           <a:p>
             <a:pPr rtl="0"/>
             <a:r>
-              <a:rPr lang="ru-RU" smtClean="0"/>
+              <a:rPr lang="ru-RU"/>
               <a:t>Образец заголовка</a:t>
             </a:r>
             <a:endParaRPr lang="ru-RU" dirty="0"/>
@@ -4043,35 +4042,35 @@
           <a:p>
             <a:pPr lvl="0" rtl="0"/>
             <a:r>
-              <a:rPr lang="ru-RU" smtClean="0"/>
+              <a:rPr lang="ru-RU"/>
               <a:t>Образец текста</a:t>
             </a:r>
           </a:p>
           <a:p>
             <a:pPr lvl="1" rtl="0"/>
             <a:r>
-              <a:rPr lang="ru-RU" smtClean="0"/>
+              <a:rPr lang="ru-RU"/>
               <a:t>Второй уровень</a:t>
             </a:r>
           </a:p>
           <a:p>
             <a:pPr lvl="2" rtl="0"/>
             <a:r>
-              <a:rPr lang="ru-RU" smtClean="0"/>
+              <a:rPr lang="ru-RU"/>
               <a:t>Третий уровень</a:t>
             </a:r>
           </a:p>
           <a:p>
             <a:pPr lvl="3" rtl="0"/>
             <a:r>
-              <a:rPr lang="ru-RU" smtClean="0"/>
+              <a:rPr lang="ru-RU"/>
               <a:t>Четвертый уровень</a:t>
             </a:r>
           </a:p>
           <a:p>
             <a:pPr lvl="4" rtl="0"/>
             <a:r>
-              <a:rPr lang="ru-RU" smtClean="0"/>
+              <a:rPr lang="ru-RU"/>
               <a:t>Пятый уровень</a:t>
             </a:r>
             <a:endParaRPr lang="ru-RU" dirty="0"/>
@@ -4201,7 +4200,7 @@
           <a:p>
             <a:pPr rtl="0"/>
             <a:r>
-              <a:rPr lang="ru-RU" smtClean="0"/>
+              <a:rPr lang="ru-RU"/>
               <a:t>Образец заголовка</a:t>
             </a:r>
             <a:endParaRPr lang="ru-RU" dirty="0"/>
@@ -4225,35 +4224,35 @@
           <a:p>
             <a:pPr lvl="0" rtl="0"/>
             <a:r>
-              <a:rPr lang="ru-RU" smtClean="0"/>
+              <a:rPr lang="ru-RU"/>
               <a:t>Образец текста</a:t>
             </a:r>
           </a:p>
           <a:p>
             <a:pPr lvl="1" rtl="0"/>
             <a:r>
-              <a:rPr lang="ru-RU" smtClean="0"/>
+              <a:rPr lang="ru-RU"/>
               <a:t>Второй уровень</a:t>
             </a:r>
           </a:p>
           <a:p>
             <a:pPr lvl="2" rtl="0"/>
             <a:r>
-              <a:rPr lang="ru-RU" smtClean="0"/>
+              <a:rPr lang="ru-RU"/>
               <a:t>Третий уровень</a:t>
             </a:r>
           </a:p>
           <a:p>
             <a:pPr lvl="3" rtl="0"/>
             <a:r>
-              <a:rPr lang="ru-RU" smtClean="0"/>
+              <a:rPr lang="ru-RU"/>
               <a:t>Четвертый уровень</a:t>
             </a:r>
           </a:p>
           <a:p>
             <a:pPr lvl="4" rtl="0"/>
             <a:r>
-              <a:rPr lang="ru-RU" smtClean="0"/>
+              <a:rPr lang="ru-RU"/>
               <a:t>Пятый уровень</a:t>
             </a:r>
             <a:endParaRPr lang="ru-RU" dirty="0"/>
@@ -6245,7 +6244,7 @@
           <a:p>
             <a:pPr rtl="0"/>
             <a:r>
-              <a:rPr lang="ru-RU" smtClean="0"/>
+              <a:rPr lang="ru-RU"/>
               <a:t>Образец заголовка</a:t>
             </a:r>
             <a:endParaRPr lang="ru-RU" dirty="0"/>
@@ -6320,7 +6319,7 @@
           <a:p>
             <a:pPr lvl="0" rtl="0"/>
             <a:r>
-              <a:rPr lang="ru-RU" smtClean="0"/>
+              <a:rPr lang="ru-RU"/>
               <a:t>Образец текста</a:t>
             </a:r>
           </a:p>
@@ -6420,7 +6419,7 @@
           <a:p>
             <a:pPr rtl="0"/>
             <a:r>
-              <a:rPr lang="ru-RU" smtClean="0"/>
+              <a:rPr lang="ru-RU"/>
               <a:t>Образец заголовка</a:t>
             </a:r>
             <a:endParaRPr lang="ru-RU" dirty="0"/>
@@ -6479,35 +6478,35 @@
           <a:p>
             <a:pPr lvl="0" rtl="0"/>
             <a:r>
-              <a:rPr lang="ru-RU" smtClean="0"/>
+              <a:rPr lang="ru-RU"/>
               <a:t>Образец текста</a:t>
             </a:r>
           </a:p>
           <a:p>
             <a:pPr lvl="1" rtl="0"/>
             <a:r>
-              <a:rPr lang="ru-RU" smtClean="0"/>
+              <a:rPr lang="ru-RU"/>
               <a:t>Второй уровень</a:t>
             </a:r>
           </a:p>
           <a:p>
             <a:pPr lvl="2" rtl="0"/>
             <a:r>
-              <a:rPr lang="ru-RU" smtClean="0"/>
+              <a:rPr lang="ru-RU"/>
               <a:t>Третий уровень</a:t>
             </a:r>
           </a:p>
           <a:p>
             <a:pPr lvl="3" rtl="0"/>
             <a:r>
-              <a:rPr lang="ru-RU" smtClean="0"/>
+              <a:rPr lang="ru-RU"/>
               <a:t>Четвертый уровень</a:t>
             </a:r>
           </a:p>
           <a:p>
             <a:pPr lvl="4" rtl="0"/>
             <a:r>
-              <a:rPr lang="ru-RU" smtClean="0"/>
+              <a:rPr lang="ru-RU"/>
               <a:t>Пятый уровень</a:t>
             </a:r>
             <a:endParaRPr lang="ru-RU" dirty="0"/>
@@ -6566,35 +6565,35 @@
           <a:p>
             <a:pPr lvl="0" rtl="0"/>
             <a:r>
-              <a:rPr lang="ru-RU" smtClean="0"/>
+              <a:rPr lang="ru-RU"/>
               <a:t>Образец текста</a:t>
             </a:r>
           </a:p>
           <a:p>
             <a:pPr lvl="1" rtl="0"/>
             <a:r>
-              <a:rPr lang="ru-RU" smtClean="0"/>
+              <a:rPr lang="ru-RU"/>
               <a:t>Второй уровень</a:t>
             </a:r>
           </a:p>
           <a:p>
             <a:pPr lvl="2" rtl="0"/>
             <a:r>
-              <a:rPr lang="ru-RU" smtClean="0"/>
+              <a:rPr lang="ru-RU"/>
               <a:t>Третий уровень</a:t>
             </a:r>
           </a:p>
           <a:p>
             <a:pPr lvl="3" rtl="0"/>
             <a:r>
-              <a:rPr lang="ru-RU" smtClean="0"/>
+              <a:rPr lang="ru-RU"/>
               <a:t>Четвертый уровень</a:t>
             </a:r>
           </a:p>
           <a:p>
             <a:pPr lvl="4" rtl="0"/>
             <a:r>
-              <a:rPr lang="ru-RU" smtClean="0"/>
+              <a:rPr lang="ru-RU"/>
               <a:t>Пятый уровень</a:t>
             </a:r>
             <a:endParaRPr lang="ru-RU" dirty="0"/>
@@ -6724,7 +6723,7 @@
           <a:p>
             <a:pPr rtl="0"/>
             <a:r>
-              <a:rPr lang="ru-RU" smtClean="0"/>
+              <a:rPr lang="ru-RU"/>
               <a:t>Образец заголовка</a:t>
             </a:r>
             <a:endParaRPr lang="ru-RU" dirty="0"/>
@@ -6799,7 +6798,7 @@
           <a:p>
             <a:pPr lvl="0" rtl="0"/>
             <a:r>
-              <a:rPr lang="ru-RU" smtClean="0"/>
+              <a:rPr lang="ru-RU"/>
               <a:t>Образец текста</a:t>
             </a:r>
           </a:p>
@@ -6857,35 +6856,35 @@
           <a:p>
             <a:pPr lvl="0" rtl="0"/>
             <a:r>
-              <a:rPr lang="ru-RU" smtClean="0"/>
+              <a:rPr lang="ru-RU"/>
               <a:t>Образец текста</a:t>
             </a:r>
           </a:p>
           <a:p>
             <a:pPr lvl="1" rtl="0"/>
             <a:r>
-              <a:rPr lang="ru-RU" smtClean="0"/>
+              <a:rPr lang="ru-RU"/>
               <a:t>Второй уровень</a:t>
             </a:r>
           </a:p>
           <a:p>
             <a:pPr lvl="2" rtl="0"/>
             <a:r>
-              <a:rPr lang="ru-RU" smtClean="0"/>
+              <a:rPr lang="ru-RU"/>
               <a:t>Третий уровень</a:t>
             </a:r>
           </a:p>
           <a:p>
             <a:pPr lvl="3" rtl="0"/>
             <a:r>
-              <a:rPr lang="ru-RU" smtClean="0"/>
+              <a:rPr lang="ru-RU"/>
               <a:t>Четвертый уровень</a:t>
             </a:r>
           </a:p>
           <a:p>
             <a:pPr lvl="4" rtl="0"/>
             <a:r>
-              <a:rPr lang="ru-RU" smtClean="0"/>
+              <a:rPr lang="ru-RU"/>
               <a:t>Пятый уровень</a:t>
             </a:r>
             <a:endParaRPr lang="ru-RU" dirty="0"/>
@@ -6960,7 +6959,7 @@
           <a:p>
             <a:pPr lvl="0" rtl="0"/>
             <a:r>
-              <a:rPr lang="ru-RU" smtClean="0"/>
+              <a:rPr lang="ru-RU"/>
               <a:t>Образец текста</a:t>
             </a:r>
           </a:p>
@@ -7018,35 +7017,35 @@
           <a:p>
             <a:pPr lvl="0" rtl="0"/>
             <a:r>
-              <a:rPr lang="ru-RU" smtClean="0"/>
+              <a:rPr lang="ru-RU"/>
               <a:t>Образец текста</a:t>
             </a:r>
           </a:p>
           <a:p>
             <a:pPr lvl="1" rtl="0"/>
             <a:r>
-              <a:rPr lang="ru-RU" smtClean="0"/>
+              <a:rPr lang="ru-RU"/>
               <a:t>Второй уровень</a:t>
             </a:r>
           </a:p>
           <a:p>
             <a:pPr lvl="2" rtl="0"/>
             <a:r>
-              <a:rPr lang="ru-RU" smtClean="0"/>
+              <a:rPr lang="ru-RU"/>
               <a:t>Третий уровень</a:t>
             </a:r>
           </a:p>
           <a:p>
             <a:pPr lvl="3" rtl="0"/>
             <a:r>
-              <a:rPr lang="ru-RU" smtClean="0"/>
+              <a:rPr lang="ru-RU"/>
               <a:t>Четвертый уровень</a:t>
             </a:r>
           </a:p>
           <a:p>
             <a:pPr lvl="4" rtl="0"/>
             <a:r>
-              <a:rPr lang="ru-RU" smtClean="0"/>
+              <a:rPr lang="ru-RU"/>
               <a:t>Пятый уровень</a:t>
             </a:r>
             <a:endParaRPr lang="ru-RU" dirty="0"/>
@@ -7176,7 +7175,7 @@
           <a:p>
             <a:pPr rtl="0"/>
             <a:r>
-              <a:rPr lang="ru-RU" smtClean="0"/>
+              <a:rPr lang="ru-RU"/>
               <a:t>Образец заголовка</a:t>
             </a:r>
             <a:endParaRPr lang="ru-RU" dirty="0"/>
@@ -11156,7 +11155,7 @@
           <a:p>
             <a:pPr rtl="0"/>
             <a:r>
-              <a:rPr lang="ru-RU" smtClean="0"/>
+              <a:rPr lang="ru-RU"/>
               <a:t>Образец заголовка</a:t>
             </a:r>
             <a:endParaRPr lang="ru-RU" dirty="0"/>
@@ -11215,35 +11214,35 @@
           <a:p>
             <a:pPr lvl="0" rtl="0"/>
             <a:r>
-              <a:rPr lang="ru-RU" smtClean="0"/>
+              <a:rPr lang="ru-RU"/>
               <a:t>Образец текста</a:t>
             </a:r>
           </a:p>
           <a:p>
             <a:pPr lvl="1" rtl="0"/>
             <a:r>
-              <a:rPr lang="ru-RU" smtClean="0"/>
+              <a:rPr lang="ru-RU"/>
               <a:t>Второй уровень</a:t>
             </a:r>
           </a:p>
           <a:p>
             <a:pPr lvl="2" rtl="0"/>
             <a:r>
-              <a:rPr lang="ru-RU" smtClean="0"/>
+              <a:rPr lang="ru-RU"/>
               <a:t>Третий уровень</a:t>
             </a:r>
           </a:p>
           <a:p>
             <a:pPr lvl="3" rtl="0"/>
             <a:r>
-              <a:rPr lang="ru-RU" smtClean="0"/>
+              <a:rPr lang="ru-RU"/>
               <a:t>Четвертый уровень</a:t>
             </a:r>
           </a:p>
           <a:p>
             <a:pPr lvl="4" rtl="0"/>
             <a:r>
-              <a:rPr lang="ru-RU" smtClean="0"/>
+              <a:rPr lang="ru-RU"/>
               <a:t>Пятый уровень</a:t>
             </a:r>
             <a:endParaRPr lang="ru-RU" dirty="0"/>
@@ -11318,7 +11317,7 @@
           <a:p>
             <a:pPr lvl="0" rtl="0"/>
             <a:r>
-              <a:rPr lang="ru-RU" smtClean="0"/>
+              <a:rPr lang="ru-RU"/>
               <a:t>Образец текста</a:t>
             </a:r>
           </a:p>
@@ -13454,7 +13453,7 @@
           <a:p>
             <a:pPr rtl="0"/>
             <a:r>
-              <a:rPr lang="ru-RU" smtClean="0"/>
+              <a:rPr lang="ru-RU"/>
               <a:t>Образец заголовка</a:t>
             </a:r>
             <a:endParaRPr lang="ru-RU" dirty="0"/>
@@ -13522,10 +13521,9 @@
           <a:p>
             <a:pPr rtl="0"/>
             <a:r>
-              <a:rPr lang="ru-RU" dirty="0" smtClean="0"/>
+              <a:rPr lang="ru-RU" dirty="0"/>
               <a:t>Щелкните значок, чтобы добавить фото</a:t>
             </a:r>
-            <a:endParaRPr lang="ru-RU" dirty="0"/>
           </a:p>
         </p:txBody>
       </p:sp>
@@ -13595,7 +13593,7 @@
           <a:p>
             <a:pPr lvl="0" rtl="0"/>
             <a:r>
-              <a:rPr lang="ru-RU" smtClean="0"/>
+              <a:rPr lang="ru-RU"/>
               <a:t>Образец текста</a:t>
             </a:r>
           </a:p>
@@ -15518,10 +15516,9 @@
           <a:p>
             <a:pPr rtl="0"/>
             <a:r>
-              <a:rPr lang="ru-RU" dirty="0" smtClean="0"/>
+              <a:rPr lang="ru-RU" dirty="0"/>
               <a:t>Образец заголовка</a:t>
             </a:r>
-            <a:endParaRPr lang="ru-RU" dirty="0"/>
           </a:p>
         </p:txBody>
       </p:sp>
@@ -15552,38 +15549,37 @@
           <a:p>
             <a:pPr lvl="0" rtl="0"/>
             <a:r>
-              <a:rPr lang="ru-RU" dirty="0" smtClean="0"/>
+              <a:rPr lang="ru-RU" dirty="0"/>
               <a:t>Щелкните, чтобы изменить стили текста образца слайда</a:t>
             </a:r>
           </a:p>
           <a:p>
             <a:pPr lvl="1" rtl="0"/>
             <a:r>
-              <a:rPr lang="ru-RU" dirty="0" smtClean="0"/>
+              <a:rPr lang="ru-RU" dirty="0"/>
               <a:t>Второй уровень</a:t>
             </a:r>
           </a:p>
           <a:p>
             <a:pPr lvl="2" rtl="0"/>
             <a:r>
-              <a:rPr lang="ru-RU" dirty="0" smtClean="0"/>
+              <a:rPr lang="ru-RU" dirty="0"/>
               <a:t>Третий уровень</a:t>
             </a:r>
           </a:p>
           <a:p>
             <a:pPr lvl="3" rtl="0"/>
             <a:r>
-              <a:rPr lang="ru-RU" dirty="0" smtClean="0"/>
+              <a:rPr lang="ru-RU" dirty="0"/>
               <a:t>Четвертый уровень</a:t>
             </a:r>
           </a:p>
           <a:p>
             <a:pPr lvl="4" rtl="0"/>
             <a:r>
-              <a:rPr lang="ru-RU" dirty="0" smtClean="0"/>
+              <a:rPr lang="ru-RU" dirty="0"/>
               <a:t>Пятый уровень</a:t>
             </a:r>
-            <a:endParaRPr lang="ru-RU" dirty="0"/>
           </a:p>
         </p:txBody>
       </p:sp>
@@ -16116,7 +16112,7 @@
       </a:lvl9pPr>
     </p:otherStyle>
   </p:txStyles>
-  <p:extLst mod="1">
+  <p:extLst>
     <p:ext uri="{27BBF7A9-308A-43DC-89C8-2F10F3537804}">
       <p15:sldGuideLst xmlns:p15="http://schemas.microsoft.com/office/powerpoint/2012/main">
         <p15:guide id="1" orient="horz" pos="2160" userDrawn="1">
@@ -16215,26 +16211,10 @@
                 <a:ea typeface="Cambria Math" panose="02040503050406030204" pitchFamily="18" charset="0"/>
                 <a:cs typeface="Times New Roman" panose="02020603050405020304" pitchFamily="18" charset="0"/>
               </a:rPr>
-              <a:t>«Московский институт электронной техники</a:t>
-            </a:r>
-            <a:r>
-              <a:rPr lang="ru-RU" sz="2000" b="0" dirty="0" smtClean="0">
-                <a:latin typeface="Cambria Math" panose="02040503050406030204" pitchFamily="18" charset="0"/>
-                <a:ea typeface="Cambria Math" panose="02040503050406030204" pitchFamily="18" charset="0"/>
-                <a:cs typeface="Times New Roman" panose="02020603050405020304" pitchFamily="18" charset="0"/>
-              </a:rPr>
-              <a:t>»</a:t>
-            </a:r>
-            <a:r>
-              <a:rPr lang="en-US" sz="2000" b="0" dirty="0" smtClean="0">
-                <a:latin typeface="Cambria Math" panose="02040503050406030204" pitchFamily="18" charset="0"/>
-                <a:ea typeface="Cambria Math" panose="02040503050406030204" pitchFamily="18" charset="0"/>
-                <a:cs typeface="Times New Roman" panose="02020603050405020304" pitchFamily="18" charset="0"/>
-              </a:rPr>
-              <a:t/>
+              <a:t>«Московский институт электронной техники»</a:t>
             </a:r>
             <a:br>
-              <a:rPr lang="en-US" sz="2000" b="0" dirty="0" smtClean="0">
+              <a:rPr lang="en-US" sz="2000" b="0" dirty="0">
                 <a:latin typeface="Cambria Math" panose="02040503050406030204" pitchFamily="18" charset="0"/>
                 <a:ea typeface="Cambria Math" panose="02040503050406030204" pitchFamily="18" charset="0"/>
                 <a:cs typeface="Times New Roman" panose="02020603050405020304" pitchFamily="18" charset="0"/>
@@ -16248,29 +16228,13 @@
               </a:rPr>
               <a:t>Кафедра высшей математики №1 </a:t>
             </a:r>
-            <a:r>
-              <a:rPr lang="en-US" sz="2000" b="0" dirty="0" smtClean="0">
-                <a:latin typeface="Cambria Math" panose="02040503050406030204" pitchFamily="18" charset="0"/>
-                <a:ea typeface="Cambria Math" panose="02040503050406030204" pitchFamily="18" charset="0"/>
-                <a:cs typeface="Times New Roman" panose="02020603050405020304" pitchFamily="18" charset="0"/>
-              </a:rPr>
-              <a:t/>
-            </a:r>
             <a:br>
-              <a:rPr lang="en-US" sz="2000" b="0" dirty="0" smtClean="0">
+              <a:rPr lang="en-US" sz="2000" b="0" dirty="0">
                 <a:latin typeface="Cambria Math" panose="02040503050406030204" pitchFamily="18" charset="0"/>
                 <a:ea typeface="Cambria Math" panose="02040503050406030204" pitchFamily="18" charset="0"/>
                 <a:cs typeface="Times New Roman" panose="02020603050405020304" pitchFamily="18" charset="0"/>
               </a:rPr>
             </a:br>
-            <a:r>
-              <a:rPr lang="ru-RU" sz="2000" b="0" dirty="0">
-                <a:latin typeface="Cambria Math" panose="02040503050406030204" pitchFamily="18" charset="0"/>
-                <a:ea typeface="Cambria Math" panose="02040503050406030204" pitchFamily="18" charset="0"/>
-                <a:cs typeface="Times New Roman" panose="02020603050405020304" pitchFamily="18" charset="0"/>
-              </a:rPr>
-              <a:t/>
-            </a:r>
             <a:br>
               <a:rPr lang="ru-RU" sz="2000" b="0" dirty="0">
                 <a:latin typeface="Cambria Math" panose="02040503050406030204" pitchFamily="18" charset="0"/>
@@ -16285,14 +16249,6 @@
                 <a:cs typeface="Times New Roman" panose="02020603050405020304" pitchFamily="18" charset="0"/>
               </a:rPr>
               <a:t>Выпускная квалификационная работа на тему: </a:t>
-            </a:r>
-            <a:r>
-              <a:rPr lang="ru-RU" sz="2000" dirty="0">
-                <a:latin typeface="Cambria Math" panose="02040503050406030204" pitchFamily="18" charset="0"/>
-                <a:ea typeface="Cambria Math" panose="02040503050406030204" pitchFamily="18" charset="0"/>
-                <a:cs typeface="Times New Roman" panose="02020603050405020304" pitchFamily="18" charset="0"/>
-              </a:rPr>
-              <a:t/>
             </a:r>
             <a:br>
               <a:rPr lang="ru-RU" sz="2000" dirty="0">
@@ -16537,10 +16493,9 @@
               <a:t>10</a:t>
             </a:fld>
             <a:r>
-              <a:rPr lang="ru-RU" dirty="0" smtClean="0"/>
+              <a:rPr lang="ru-RU" dirty="0"/>
               <a:t> из 16</a:t>
             </a:r>
-            <a:endParaRPr lang="ru-RU" dirty="0"/>
           </a:p>
         </p:txBody>
       </p:sp>
@@ -17353,10 +17308,9 @@
               <a:t>11</a:t>
             </a:fld>
             <a:r>
-              <a:rPr lang="ru-RU" dirty="0" smtClean="0"/>
+              <a:rPr lang="ru-RU" dirty="0"/>
               <a:t> из 16</a:t>
             </a:r>
-            <a:endParaRPr lang="ru-RU" dirty="0"/>
           </a:p>
         </p:txBody>
       </p:sp>
@@ -17493,10 +17447,9 @@
               <a:t>12</a:t>
             </a:fld>
             <a:r>
-              <a:rPr lang="ru-RU" dirty="0" smtClean="0"/>
+              <a:rPr lang="ru-RU" dirty="0"/>
               <a:t> из 16</a:t>
             </a:r>
-            <a:endParaRPr lang="ru-RU" dirty="0"/>
           </a:p>
         </p:txBody>
       </p:sp>
@@ -17582,10 +17535,9 @@
           <a:lstStyle/>
           <a:p>
             <a:r>
-              <a:rPr lang="ru-RU" dirty="0" smtClean="0"/>
+              <a:rPr lang="ru-RU" dirty="0"/>
               <a:t>Вывод</a:t>
             </a:r>
-            <a:endParaRPr lang="ru-RU" dirty="0"/>
           </a:p>
         </p:txBody>
       </p:sp>
@@ -17610,10 +17562,9 @@
               <a:t>13</a:t>
             </a:fld>
             <a:r>
-              <a:rPr lang="ru-RU" dirty="0" smtClean="0"/>
+              <a:rPr lang="ru-RU" dirty="0"/>
               <a:t> из 16</a:t>
             </a:r>
-            <a:endParaRPr lang="ru-RU" dirty="0"/>
           </a:p>
         </p:txBody>
       </p:sp>
@@ -17844,21 +17795,8 @@
                 <a:ea typeface="Cambria Math" panose="02040503050406030204" pitchFamily="18" charset="0"/>
                 <a:cs typeface="Times New Roman" panose="02020603050405020304" pitchFamily="18" charset="0"/>
               </a:rPr>
-              <a:t>В современном мире интернет-технологии всё глубже проникают в нашу жизнь, возрастает значимость проблем хранения и передачи информации. Требования к хранению данных только растут, появляются новые форматы высокой четкости изображений и видео, а развитие пропускной способности каналов связи не всегда соответствуют требованиям к скорости передачи информации. В частности, одной из наиболее актуальных тем исследований является эффективное представление изображений</a:t>
+              <a:t>В современном мире интернет-технологии всё глубже проникают в нашу жизнь, возрастает значимость проблем хранения и передачи информации. Требования к хранению данных только растут, появляются новые форматы высокой четкости изображений и видео, а развитие пропускной способности каналов связи не всегда соответствуют требованиям к скорости передачи информации. В частности, одной из наиболее актуальных тем исследований является эффективное представление изображений.</a:t>
             </a:r>
-            <a:r>
-              <a:rPr lang="ru-RU" sz="1800" dirty="0" smtClean="0">
-                <a:latin typeface="Cambria Math" panose="02040503050406030204" pitchFamily="18" charset="0"/>
-                <a:ea typeface="Cambria Math" panose="02040503050406030204" pitchFamily="18" charset="0"/>
-                <a:cs typeface="Times New Roman" panose="02020603050405020304" pitchFamily="18" charset="0"/>
-              </a:rPr>
-              <a:t>.</a:t>
-            </a:r>
-            <a:endParaRPr lang="ru-RU" sz="1800" dirty="0">
-              <a:latin typeface="Cambria Math" panose="02040503050406030204" pitchFamily="18" charset="0"/>
-              <a:ea typeface="Cambria Math" panose="02040503050406030204" pitchFamily="18" charset="0"/>
-              <a:cs typeface="Times New Roman" panose="02020603050405020304" pitchFamily="18" charset="0"/>
-            </a:endParaRPr>
           </a:p>
         </p:txBody>
       </p:sp>
@@ -17883,10 +17821,9 @@
               <a:t>2</a:t>
             </a:fld>
             <a:r>
-              <a:rPr lang="ru-RU" dirty="0" smtClean="0"/>
+              <a:rPr lang="ru-RU" dirty="0"/>
               <a:t> из 16</a:t>
             </a:r>
-            <a:endParaRPr lang="ru-RU" dirty="0"/>
           </a:p>
         </p:txBody>
       </p:sp>
@@ -18086,10 +18023,9 @@
               <a:t>3</a:t>
             </a:fld>
             <a:r>
-              <a:rPr lang="ru-RU" dirty="0" smtClean="0"/>
+              <a:rPr lang="ru-RU" dirty="0"/>
               <a:t> из 16</a:t>
             </a:r>
-            <a:endParaRPr lang="ru-RU" dirty="0"/>
           </a:p>
         </p:txBody>
       </p:sp>
@@ -18290,10 +18226,9 @@
               <a:t>4</a:t>
             </a:fld>
             <a:r>
-              <a:rPr lang="ru-RU" dirty="0" smtClean="0"/>
+              <a:rPr lang="ru-RU" dirty="0"/>
               <a:t> из 16</a:t>
             </a:r>
-            <a:endParaRPr lang="ru-RU" dirty="0"/>
           </a:p>
         </p:txBody>
       </p:sp>
@@ -18340,18 +18275,13 @@
           <a:p>
             <a:pPr algn="ctr"/>
             <a:r>
-              <a:rPr lang="ru-RU" sz="1600" dirty="0" smtClean="0">
+              <a:rPr lang="ru-RU" sz="1600" dirty="0">
                 <a:solidFill>
                   <a:schemeClr val="tx1"/>
                 </a:solidFill>
               </a:rPr>
               <a:t>Исходное изображение</a:t>
             </a:r>
-            <a:endParaRPr lang="ru-RU" sz="1600" dirty="0">
-              <a:solidFill>
-                <a:schemeClr val="tx1"/>
-              </a:solidFill>
-            </a:endParaRPr>
           </a:p>
         </p:txBody>
       </p:sp>
@@ -18445,18 +18375,13 @@
           <a:p>
             <a:pPr algn="ctr"/>
             <a:r>
-              <a:rPr lang="ru-RU" sz="1600" dirty="0" smtClean="0">
+              <a:rPr lang="ru-RU" sz="1600" dirty="0">
                 <a:solidFill>
                   <a:schemeClr val="tx1"/>
                 </a:solidFill>
               </a:rPr>
               <a:t>ДВП</a:t>
             </a:r>
-            <a:endParaRPr lang="ru-RU" sz="1600" dirty="0">
-              <a:solidFill>
-                <a:schemeClr val="tx1"/>
-              </a:solidFill>
-            </a:endParaRPr>
           </a:p>
         </p:txBody>
       </p:sp>
@@ -18508,37 +18433,8 @@
                   <a:schemeClr val="tx1"/>
                 </a:solidFill>
               </a:rPr>
-              <a:t>квантование </a:t>
+              <a:t>квантование с мертвой зоной</a:t>
             </a:r>
-            <a:r>
-              <a:rPr lang="ru-RU" sz="1600" dirty="0" smtClean="0">
-                <a:solidFill>
-                  <a:schemeClr val="tx1"/>
-                </a:solidFill>
-              </a:rPr>
-              <a:t>с </a:t>
-            </a:r>
-            <a:r>
-              <a:rPr lang="ru-RU" sz="1600" dirty="0">
-                <a:solidFill>
-                  <a:schemeClr val="tx1"/>
-                </a:solidFill>
-              </a:rPr>
-              <a:t>мертвой </a:t>
-            </a:r>
-            <a:r>
-              <a:rPr lang="ru-RU" sz="1600" dirty="0" smtClean="0">
-                <a:solidFill>
-                  <a:schemeClr val="tx1"/>
-                </a:solidFill>
-              </a:rPr>
-              <a:t>зоной</a:t>
-            </a:r>
-            <a:endParaRPr lang="ru-RU" sz="1600" dirty="0">
-              <a:solidFill>
-                <a:schemeClr val="tx1"/>
-              </a:solidFill>
-            </a:endParaRPr>
           </a:p>
         </p:txBody>
       </p:sp>
@@ -18712,18 +18608,13 @@
           <a:p>
             <a:pPr algn="ctr"/>
             <a:r>
-              <a:rPr lang="ru-RU" sz="1600" dirty="0" smtClean="0">
+              <a:rPr lang="ru-RU" sz="1600" dirty="0">
                 <a:solidFill>
                   <a:schemeClr val="tx1"/>
                 </a:solidFill>
               </a:rPr>
               <a:t>Сжатые данные</a:t>
             </a:r>
-            <a:endParaRPr lang="ru-RU" sz="1600" dirty="0">
-              <a:solidFill>
-                <a:schemeClr val="tx1"/>
-              </a:solidFill>
-            </a:endParaRPr>
           </a:p>
         </p:txBody>
       </p:sp>
@@ -18830,37 +18721,8 @@
                   <a:schemeClr val="tx1"/>
                 </a:solidFill>
               </a:rPr>
-              <a:t>квантование </a:t>
+              <a:t>квантование с мертвой зоной</a:t>
             </a:r>
-            <a:r>
-              <a:rPr lang="ru-RU" sz="1600" dirty="0" smtClean="0">
-                <a:solidFill>
-                  <a:schemeClr val="tx1"/>
-                </a:solidFill>
-              </a:rPr>
-              <a:t>с </a:t>
-            </a:r>
-            <a:r>
-              <a:rPr lang="ru-RU" sz="1600" dirty="0">
-                <a:solidFill>
-                  <a:schemeClr val="tx1"/>
-                </a:solidFill>
-              </a:rPr>
-              <a:t>мертвой </a:t>
-            </a:r>
-            <a:r>
-              <a:rPr lang="ru-RU" sz="1600" dirty="0" smtClean="0">
-                <a:solidFill>
-                  <a:schemeClr val="tx1"/>
-                </a:solidFill>
-              </a:rPr>
-              <a:t>зоной</a:t>
-            </a:r>
-            <a:endParaRPr lang="ru-RU" sz="1600" dirty="0">
-              <a:solidFill>
-                <a:schemeClr val="tx1"/>
-              </a:solidFill>
-            </a:endParaRPr>
           </a:p>
         </p:txBody>
       </p:sp>
@@ -18918,18 +18780,13 @@
           <a:p>
             <a:pPr algn="ctr"/>
             <a:r>
-              <a:rPr lang="ru-RU" sz="1600" dirty="0" smtClean="0">
+              <a:rPr lang="ru-RU" sz="1600" dirty="0">
                 <a:solidFill>
                   <a:schemeClr val="tx1"/>
                 </a:solidFill>
               </a:rPr>
               <a:t>ДВП</a:t>
             </a:r>
-            <a:endParaRPr lang="ru-RU" sz="1600" dirty="0">
-              <a:solidFill>
-                <a:schemeClr val="tx1"/>
-              </a:solidFill>
-            </a:endParaRPr>
           </a:p>
         </p:txBody>
       </p:sp>
@@ -18976,18 +18833,13 @@
           <a:p>
             <a:pPr algn="ctr"/>
             <a:r>
-              <a:rPr lang="ru-RU" sz="1600" dirty="0" smtClean="0">
+              <a:rPr lang="ru-RU" sz="1600" dirty="0">
                 <a:solidFill>
                   <a:schemeClr val="tx1"/>
                 </a:solidFill>
               </a:rPr>
               <a:t>Исходное изображение</a:t>
             </a:r>
-            <a:endParaRPr lang="ru-RU" sz="1600" dirty="0">
-              <a:solidFill>
-                <a:schemeClr val="tx1"/>
-              </a:solidFill>
-            </a:endParaRPr>
           </a:p>
         </p:txBody>
       </p:sp>
@@ -19275,16 +19127,9 @@
                 <a:latin typeface="Cambria Math" panose="02040503050406030204" pitchFamily="18" charset="0"/>
                 <a:ea typeface="Cambria Math" panose="02040503050406030204" pitchFamily="18" charset="0"/>
               </a:rPr>
-              <a:t> отражает вертикальные черты изображения (</a:t>
+              <a:t> отражает вертикальные черты изображения (HL)</a:t>
             </a:r>
-            <a:r>
-              <a:rPr lang="ru-RU" sz="1800" dirty="0" smtClean="0">
-                <a:latin typeface="Cambria Math" panose="02040503050406030204" pitchFamily="18" charset="0"/>
-                <a:ea typeface="Cambria Math" panose="02040503050406030204" pitchFamily="18" charset="0"/>
-              </a:rPr>
-              <a:t>HL)</a:t>
-            </a:r>
-            <a:endParaRPr lang="en-US" sz="1800" dirty="0" smtClean="0">
+            <a:endParaRPr lang="en-US" sz="1800" dirty="0">
               <a:latin typeface="Cambria Math" panose="02040503050406030204" pitchFamily="18" charset="0"/>
               <a:ea typeface="Cambria Math" panose="02040503050406030204" pitchFamily="18" charset="0"/>
             </a:endParaRPr>
@@ -19295,28 +19140,7 @@
                 <a:latin typeface="Cambria Math" panose="02040503050406030204" pitchFamily="18" charset="0"/>
                 <a:ea typeface="Cambria Math" panose="02040503050406030204" pitchFamily="18" charset="0"/>
               </a:rPr>
-              <a:t>П</a:t>
-            </a:r>
-            <a:r>
-              <a:rPr lang="ru-RU" sz="1800" dirty="0" smtClean="0">
-                <a:latin typeface="Cambria Math" panose="02040503050406030204" pitchFamily="18" charset="0"/>
-                <a:ea typeface="Cambria Math" panose="02040503050406030204" pitchFamily="18" charset="0"/>
-              </a:rPr>
-              <a:t>равый </a:t>
-            </a:r>
-            <a:r>
-              <a:rPr lang="ru-RU" sz="1800" dirty="0">
-                <a:latin typeface="Cambria Math" panose="02040503050406030204" pitchFamily="18" charset="0"/>
-                <a:ea typeface="Cambria Math" panose="02040503050406030204" pitchFamily="18" charset="0"/>
-              </a:rPr>
-              <a:t>нижний – диагональные (</a:t>
-            </a:r>
-            <a:r>
-              <a:rPr lang="ru-RU" sz="1800" dirty="0" smtClean="0">
-                <a:latin typeface="Cambria Math" panose="02040503050406030204" pitchFamily="18" charset="0"/>
-                <a:ea typeface="Cambria Math" panose="02040503050406030204" pitchFamily="18" charset="0"/>
-              </a:rPr>
-              <a:t>HH)</a:t>
+              <a:t>Правый нижний – диагональные (HH)</a:t>
             </a:r>
             <a:r>
               <a:rPr lang="en-US" sz="1800" dirty="0">
@@ -19325,10 +19149,6 @@
               </a:rPr>
               <a:t>.</a:t>
             </a:r>
-            <a:endParaRPr lang="en-US" sz="1800" dirty="0" smtClean="0">
-              <a:latin typeface="Cambria Math" panose="02040503050406030204" pitchFamily="18" charset="0"/>
-              <a:ea typeface="Cambria Math" panose="02040503050406030204" pitchFamily="18" charset="0"/>
-            </a:endParaRPr>
           </a:p>
           <a:p>
             <a:r>
@@ -19336,33 +19156,8 @@
                 <a:latin typeface="Cambria Math" panose="02040503050406030204" pitchFamily="18" charset="0"/>
                 <a:ea typeface="Cambria Math" panose="02040503050406030204" pitchFamily="18" charset="0"/>
               </a:rPr>
-              <a:t>Н</a:t>
+              <a:t>Нижний левый – горизонтальные (LH).</a:t>
             </a:r>
-            <a:r>
-              <a:rPr lang="ru-RU" sz="1800" dirty="0" smtClean="0">
-                <a:latin typeface="Cambria Math" panose="02040503050406030204" pitchFamily="18" charset="0"/>
-                <a:ea typeface="Cambria Math" panose="02040503050406030204" pitchFamily="18" charset="0"/>
-              </a:rPr>
-              <a:t>ижний </a:t>
-            </a:r>
-            <a:r>
-              <a:rPr lang="ru-RU" sz="1800" dirty="0">
-                <a:latin typeface="Cambria Math" panose="02040503050406030204" pitchFamily="18" charset="0"/>
-                <a:ea typeface="Cambria Math" panose="02040503050406030204" pitchFamily="18" charset="0"/>
-              </a:rPr>
-              <a:t>левый – горизонтальные (LH</a:t>
-            </a:r>
-            <a:r>
-              <a:rPr lang="ru-RU" sz="1800" dirty="0" smtClean="0">
-                <a:latin typeface="Cambria Math" panose="02040503050406030204" pitchFamily="18" charset="0"/>
-                <a:ea typeface="Cambria Math" panose="02040503050406030204" pitchFamily="18" charset="0"/>
-              </a:rPr>
-              <a:t>).</a:t>
-            </a:r>
-            <a:endParaRPr lang="ru-RU" sz="1800" dirty="0">
-              <a:latin typeface="Cambria Math" panose="02040503050406030204" pitchFamily="18" charset="0"/>
-              <a:ea typeface="Cambria Math" panose="02040503050406030204" pitchFamily="18" charset="0"/>
-            </a:endParaRPr>
           </a:p>
         </p:txBody>
       </p:sp>
@@ -19387,10 +19182,9 @@
               <a:t>5</a:t>
             </a:fld>
             <a:r>
-              <a:rPr lang="ru-RU" dirty="0" smtClean="0"/>
+              <a:rPr lang="ru-RU" dirty="0"/>
               <a:t> из 16</a:t>
             </a:r>
-            <a:endParaRPr lang="ru-RU" dirty="0"/>
           </a:p>
         </p:txBody>
       </p:sp>
@@ -19508,10 +19302,9 @@
               <a:t>6</a:t>
             </a:fld>
             <a:r>
-              <a:rPr lang="ru-RU" dirty="0" smtClean="0"/>
+              <a:rPr lang="ru-RU" dirty="0"/>
               <a:t> из 16</a:t>
             </a:r>
-            <a:endParaRPr lang="ru-RU" dirty="0"/>
           </a:p>
         </p:txBody>
       </p:sp>
@@ -19760,15 +19553,7 @@
                     <a:ea typeface="Cambria Math" panose="02040503050406030204" pitchFamily="18" charset="0"/>
                     <a:cs typeface="Times New Roman" panose="02020603050405020304" pitchFamily="18" charset="0"/>
                   </a:rPr>
-                  <a:t> означает взятие целой части числа</a:t>
-                </a:r>
-                <a:r>
-                  <a:rPr lang="ru-RU" dirty="0" smtClean="0">
-                    <a:latin typeface="Cambria Math" panose="02040503050406030204" pitchFamily="18" charset="0"/>
-                    <a:ea typeface="Cambria Math" panose="02040503050406030204" pitchFamily="18" charset="0"/>
-                    <a:cs typeface="Times New Roman" panose="02020603050405020304" pitchFamily="18" charset="0"/>
-                  </a:rPr>
-                  <a:t>.</a:t>
+                  <a:t> означает взятие целой части числа.</a:t>
                 </a:r>
               </a:p>
               <a:p>
@@ -20262,11 +20047,18 @@
           <a:lstStyle/>
           <a:p>
             <a:r>
+              <a:rPr lang="ru-RU" sz="1800">
+                <a:latin typeface="Cambria Math" panose="02040503050406030204" pitchFamily="18" charset="0"/>
+                <a:ea typeface="Cambria Math" panose="02040503050406030204" pitchFamily="18" charset="0"/>
+              </a:rPr>
+              <a:t>Арифметическим </a:t>
+            </a:r>
+            <a:r>
               <a:rPr lang="ru-RU" sz="1800" dirty="0">
                 <a:latin typeface="Cambria Math" panose="02040503050406030204" pitchFamily="18" charset="0"/>
                 <a:ea typeface="Cambria Math" panose="02040503050406030204" pitchFamily="18" charset="0"/>
               </a:rPr>
-              <a:t>Арифметическое кодированием называется отображение слов алфавита на интервал в диапазоне чисел [0, 1) в соответствии с частотой их появления.</a:t>
+              <a:t>кодированием называется отображение слов алфавита на интервал в диапазоне чисел [0, 1) в соответствии с частотой их появления.</a:t>
             </a:r>
           </a:p>
           <a:p>
@@ -20315,10 +20107,9 @@
               <a:t>7</a:t>
             </a:fld>
             <a:r>
-              <a:rPr lang="ru-RU" dirty="0" smtClean="0"/>
+              <a:rPr lang="ru-RU" dirty="0"/>
               <a:t> из 16</a:t>
             </a:r>
-            <a:endParaRPr lang="ru-RU" dirty="0"/>
           </a:p>
         </p:txBody>
       </p:sp>
@@ -20469,10 +20260,9 @@
               <a:t>8</a:t>
             </a:fld>
             <a:r>
-              <a:rPr lang="ru-RU" dirty="0" smtClean="0"/>
+              <a:rPr lang="ru-RU" dirty="0"/>
               <a:t> из 16</a:t>
             </a:r>
-            <a:endParaRPr lang="ru-RU" dirty="0"/>
           </a:p>
         </p:txBody>
       </p:sp>
@@ -22208,10 +21998,9 @@
               <a:t>9</a:t>
             </a:fld>
             <a:r>
-              <a:rPr lang="ru-RU" dirty="0" smtClean="0"/>
+              <a:rPr lang="ru-RU" dirty="0"/>
               <a:t> из 16</a:t>
             </a:r>
-            <a:endParaRPr lang="ru-RU" dirty="0"/>
           </a:p>
         </p:txBody>
       </p:sp>

--- a/преза_2.pptx
+++ b/преза_2.pptx
@@ -228,7 +228,7 @@
             <a:pPr rtl="0"/>
             <a:fld id="{2BADECFF-C1E6-41B7-861F-BE2B26CDAB05}" type="datetime1">
               <a:rPr lang="ru-RU" smtClean="0"/>
-              <a:t>11.06.2022</a:t>
+              <a:t>12.06.2022</a:t>
             </a:fld>
             <a:endParaRPr lang="ru-RU" dirty="0"/>
           </a:p>
@@ -398,7 +398,7 @@
             <a:pPr rtl="0"/>
             <a:fld id="{6F848B8F-24F3-4766-A59C-71045DA4FEF0}" type="datetime1">
               <a:rPr lang="ru-RU" smtClean="0"/>
-              <a:t>11.06.2022</a:t>
+              <a:t>12.06.2022</a:t>
             </a:fld>
             <a:endParaRPr lang="ru-RU" dirty="0"/>
           </a:p>
@@ -17316,22 +17316,32 @@
       </p:sp>
       <p:pic>
         <p:nvPicPr>
-          <p:cNvPr id="4" name="Рисунок 3"/>
-          <p:cNvPicPr>
-            <a:picLocks noChangeAspect="1"/>
-          </p:cNvPicPr>
+          <p:cNvPr id="6" name="Рисунок 5">
+            <a:extLst>
+              <a:ext uri="{FF2B5EF4-FFF2-40B4-BE49-F238E27FC236}">
+                <a16:creationId xmlns:a16="http://schemas.microsoft.com/office/drawing/2014/main" id="{739D4469-5A24-4501-A671-1FD8BE97F56E}"/>
+              </a:ext>
+            </a:extLst>
+          </p:cNvPr>
+          <p:cNvPicPr/>
           <p:nvPr/>
         </p:nvPicPr>
         <p:blipFill>
-          <a:blip r:embed="rId3"/>
+          <a:blip r:embed="rId3">
+            <a:extLst>
+              <a:ext uri="{28A0092B-C50C-407E-A947-70E740481C1C}">
+                <a14:useLocalDpi xmlns:a14="http://schemas.microsoft.com/office/drawing/2010/main" val="0"/>
+              </a:ext>
+            </a:extLst>
+          </a:blip>
           <a:stretch>
             <a:fillRect/>
           </a:stretch>
         </p:blipFill>
         <p:spPr>
           <a:xfrm>
-            <a:off x="864092" y="1646238"/>
-            <a:ext cx="5231908" cy="4164042"/>
+            <a:off x="689252" y="1519554"/>
+            <a:ext cx="5638800" cy="4462145"/>
           </a:xfrm>
           <a:prstGeom prst="rect">
             <a:avLst/>
@@ -17340,22 +17350,32 @@
       </p:pic>
       <p:pic>
         <p:nvPicPr>
-          <p:cNvPr id="5" name="Рисунок 4"/>
-          <p:cNvPicPr>
-            <a:picLocks noChangeAspect="1"/>
-          </p:cNvPicPr>
+          <p:cNvPr id="7" name="Рисунок 6">
+            <a:extLst>
+              <a:ext uri="{FF2B5EF4-FFF2-40B4-BE49-F238E27FC236}">
+                <a16:creationId xmlns:a16="http://schemas.microsoft.com/office/drawing/2014/main" id="{F8E0BD20-79D2-40C7-8782-2BAB3F2A51C8}"/>
+              </a:ext>
+            </a:extLst>
+          </p:cNvPr>
+          <p:cNvPicPr/>
           <p:nvPr/>
         </p:nvPicPr>
         <p:blipFill>
-          <a:blip r:embed="rId4"/>
+          <a:blip r:embed="rId4">
+            <a:extLst>
+              <a:ext uri="{28A0092B-C50C-407E-A947-70E740481C1C}">
+                <a14:useLocalDpi xmlns:a14="http://schemas.microsoft.com/office/drawing/2010/main" val="0"/>
+              </a:ext>
+            </a:extLst>
+          </a:blip>
           <a:stretch>
             <a:fillRect/>
           </a:stretch>
         </p:blipFill>
         <p:spPr>
           <a:xfrm>
-            <a:off x="6468910" y="1646238"/>
-            <a:ext cx="5115283" cy="4164042"/>
+            <a:off x="6467475" y="1519553"/>
+            <a:ext cx="5724525" cy="4462144"/>
           </a:xfrm>
           <a:prstGeom prst="rect">
             <a:avLst/>
@@ -17455,22 +17475,32 @@
       </p:sp>
       <p:pic>
         <p:nvPicPr>
-          <p:cNvPr id="4" name="Рисунок 3"/>
-          <p:cNvPicPr>
-            <a:picLocks noChangeAspect="1"/>
-          </p:cNvPicPr>
+          <p:cNvPr id="5" name="Рисунок 4">
+            <a:extLst>
+              <a:ext uri="{FF2B5EF4-FFF2-40B4-BE49-F238E27FC236}">
+                <a16:creationId xmlns:a16="http://schemas.microsoft.com/office/drawing/2014/main" id="{A4607E65-2638-4615-8236-4CAD8942B58F}"/>
+              </a:ext>
+            </a:extLst>
+          </p:cNvPr>
+          <p:cNvPicPr/>
           <p:nvPr/>
         </p:nvPicPr>
         <p:blipFill>
-          <a:blip r:embed="rId3"/>
+          <a:blip r:embed="rId3">
+            <a:extLst>
+              <a:ext uri="{28A0092B-C50C-407E-A947-70E740481C1C}">
+                <a14:useLocalDpi xmlns:a14="http://schemas.microsoft.com/office/drawing/2010/main" val="0"/>
+              </a:ext>
+            </a:extLst>
+          </a:blip>
           <a:stretch>
             <a:fillRect/>
           </a:stretch>
         </p:blipFill>
         <p:spPr>
           <a:xfrm>
-            <a:off x="3481323" y="1646238"/>
-            <a:ext cx="5229354" cy="4227438"/>
+            <a:off x="3311525" y="1646238"/>
+            <a:ext cx="5568950" cy="4361814"/>
           </a:xfrm>
           <a:prstGeom prst="rect">
             <a:avLst/>
